--- a/Android大作业.pptx
+++ b/Android大作业.pptx
@@ -16638,14 +16638,14 @@
               <a:buChar char="❏"/>
             </a:pPr>
             <a:r>
-              <a:rPr lang="en" sz="2400">
+              <a:rPr lang="en" sz="2400" dirty="0">
                 <a:solidFill>
                   <a:srgbClr val="3A5BAE"/>
                 </a:solidFill>
               </a:rPr>
               <a:t>视频信息流列表显示（包含封面图）</a:t>
             </a:r>
-            <a:endParaRPr sz="2400">
+            <a:endParaRPr sz="2400" dirty="0">
               <a:solidFill>
                 <a:srgbClr val="3A5BAE"/>
               </a:solidFill>
@@ -16669,14 +16669,14 @@
               <a:buChar char="❏"/>
             </a:pPr>
             <a:r>
-              <a:rPr lang="en" sz="2400">
+              <a:rPr lang="en" sz="2400" dirty="0">
                 <a:solidFill>
                   <a:srgbClr val="3A5BAE"/>
                 </a:solidFill>
               </a:rPr>
               <a:t>视频播放</a:t>
             </a:r>
-            <a:endParaRPr sz="2400">
+            <a:endParaRPr sz="2400" dirty="0">
               <a:solidFill>
                 <a:srgbClr val="3A5BAE"/>
               </a:solidFill>
@@ -16700,14 +16700,14 @@
               <a:buChar char="❏"/>
             </a:pPr>
             <a:r>
-              <a:rPr lang="en" sz="2400">
+              <a:rPr lang="en" sz="2400" dirty="0">
                 <a:solidFill>
                   <a:srgbClr val="3A5BAE"/>
                 </a:solidFill>
               </a:rPr>
               <a:t>视频拍摄录制</a:t>
             </a:r>
-            <a:endParaRPr sz="2400">
+            <a:endParaRPr sz="2400" dirty="0">
               <a:solidFill>
                 <a:srgbClr val="3A5BAE"/>
               </a:solidFill>
@@ -16731,14 +16731,14 @@
               <a:buChar char="❏"/>
             </a:pPr>
             <a:r>
-              <a:rPr lang="en" sz="2400">
+              <a:rPr lang="en" sz="2400" dirty="0">
                 <a:solidFill>
                   <a:srgbClr val="3A5BAE"/>
                 </a:solidFill>
               </a:rPr>
               <a:t>视频上传</a:t>
             </a:r>
-            <a:endParaRPr sz="2400">
+            <a:endParaRPr sz="2400" dirty="0">
               <a:solidFill>
                 <a:srgbClr val="3A5BAE"/>
               </a:solidFill>
@@ -16989,21 +16989,9 @@
               <a:rPr lang="en-US" altLang="zh-CN" dirty="0">
                 <a:hlinkClick r:id="rId4"/>
               </a:rPr>
-              <a:t>https://</a:t>
+              <a:t>https://beiyou.bytedance.com/api/invoke/video/invoke/video</a:t>
             </a:r>
-            <a:r>
-              <a:rPr lang="en-US" altLang="zh-CN" dirty="0" smtClean="0">
-                <a:hlinkClick r:id="rId4"/>
-              </a:rPr>
-              <a:t>beiyou.bytedance.com/api</a:t>
-            </a:r>
-            <a:r>
-              <a:rPr lang="en-US" altLang="zh-CN" smtClean="0">
-                <a:hlinkClick r:id="rId4"/>
-              </a:rPr>
-              <a:t>/invoke/video/invoke/video</a:t>
-            </a:r>
-            <a:endParaRPr lang="en-US" altLang="zh-CN" smtClean="0"/>
+            <a:endParaRPr lang="en-US" altLang="zh-CN" dirty="0"/>
           </a:p>
           <a:p>
             <a:pPr marL="914400" lvl="1" indent="-342900">
@@ -17017,20 +17005,12 @@
               <a:buChar char="❏"/>
             </a:pPr>
             <a:r>
-              <a:rPr lang="en" sz="1800" smtClean="0">
+              <a:rPr lang="en" sz="1800" dirty="0">
                 <a:solidFill>
                   <a:srgbClr val="3A5BAE"/>
                 </a:solidFill>
               </a:rPr>
-              <a:t>使用</a:t>
-            </a:r>
-            <a:r>
-              <a:rPr lang="en" sz="1800" dirty="0" err="1">
-                <a:solidFill>
-                  <a:srgbClr val="3A5BAE"/>
-                </a:solidFill>
-              </a:rPr>
-              <a:t>RecyclerView显示视频列表</a:t>
+              <a:t>使用RecyclerView显示视频列表</a:t>
             </a:r>
             <a:r>
               <a:rPr lang="zh-CN" altLang="en-US" sz="1800" dirty="0">
@@ -17619,7 +17599,7 @@
           <p:cNvPr id="3" name="图片 2">
             <a:extLst>
               <a:ext uri="{FF2B5EF4-FFF2-40B4-BE49-F238E27FC236}">
-                <a16:creationId xmlns:a16="http://schemas.microsoft.com/office/drawing/2014/main" xmlns="" id="{24BABCD6-E8BA-0846-9D02-4E72CEB35DD0}"/>
+                <a16:creationId xmlns:a16="http://schemas.microsoft.com/office/drawing/2014/main" id="{24BABCD6-E8BA-0846-9D02-4E72CEB35DD0}"/>
               </a:ext>
             </a:extLst>
           </p:cNvPr>
@@ -17944,7 +17924,7 @@
           <p:cNvPr id="4" name="图片 3">
             <a:extLst>
               <a:ext uri="{FF2B5EF4-FFF2-40B4-BE49-F238E27FC236}">
-                <a16:creationId xmlns:a16="http://schemas.microsoft.com/office/drawing/2014/main" xmlns="" id="{29037736-377E-F041-9364-8DAA5363A3FA}"/>
+                <a16:creationId xmlns:a16="http://schemas.microsoft.com/office/drawing/2014/main" id="{29037736-377E-F041-9364-8DAA5363A3FA}"/>
               </a:ext>
             </a:extLst>
           </p:cNvPr>
@@ -18068,14 +18048,14 @@
               <a:buChar char="❏"/>
             </a:pPr>
             <a:r>
-              <a:rPr lang="en" sz="1800">
+              <a:rPr lang="en" sz="1800" dirty="0">
                 <a:solidFill>
                   <a:srgbClr val="3A5BAE"/>
                 </a:solidFill>
               </a:rPr>
               <a:t>参考七讲多媒体基础</a:t>
             </a:r>
-            <a:endParaRPr sz="1800">
+            <a:endParaRPr sz="1800" dirty="0">
               <a:solidFill>
                 <a:srgbClr val="3A5BAE"/>
               </a:solidFill>
@@ -18099,14 +18079,14 @@
               <a:buChar char="❏"/>
             </a:pPr>
             <a:r>
-              <a:rPr lang="en" sz="1800">
+              <a:rPr lang="en" sz="1800" dirty="0">
                 <a:solidFill>
                   <a:srgbClr val="3A5BAE"/>
                 </a:solidFill>
               </a:rPr>
               <a:t>必须要完成的功能</a:t>
             </a:r>
-            <a:endParaRPr sz="1800">
+            <a:endParaRPr sz="1800" dirty="0">
               <a:solidFill>
                 <a:srgbClr val="3A5BAE"/>
               </a:solidFill>
@@ -18130,14 +18110,14 @@
               <a:buChar char="❏"/>
             </a:pPr>
             <a:r>
-              <a:rPr lang="en" sz="1800">
+              <a:rPr lang="en" sz="1800" dirty="0">
                 <a:solidFill>
                   <a:srgbClr val="3A5BAE"/>
                 </a:solidFill>
               </a:rPr>
               <a:t>从视频信息流点击某个视频封面进入播放页面</a:t>
             </a:r>
-            <a:endParaRPr sz="1800">
+            <a:endParaRPr sz="1800" dirty="0">
               <a:solidFill>
                 <a:srgbClr val="3A5BAE"/>
               </a:solidFill>
@@ -18161,14 +18141,14 @@
               <a:buChar char="❏"/>
             </a:pPr>
             <a:r>
-              <a:rPr lang="en" sz="1800">
+              <a:rPr lang="en" sz="1800" dirty="0">
                 <a:solidFill>
                   <a:srgbClr val="3A5BAE"/>
                 </a:solidFill>
               </a:rPr>
               <a:t>根据视频信息的url播放视频</a:t>
             </a:r>
-            <a:endParaRPr sz="1800">
+            <a:endParaRPr sz="1800" dirty="0">
               <a:solidFill>
                 <a:srgbClr val="3A5BAE"/>
               </a:solidFill>
@@ -18192,14 +18172,14 @@
               <a:buChar char="❏"/>
             </a:pPr>
             <a:r>
-              <a:rPr lang="en" sz="1800">
+              <a:rPr lang="en" sz="1800" dirty="0">
                 <a:solidFill>
                   <a:srgbClr val="3A5BAE"/>
                 </a:solidFill>
               </a:rPr>
               <a:t>单击视频窗口暂停/继续</a:t>
             </a:r>
-            <a:endParaRPr sz="1800">
+            <a:endParaRPr sz="1800" dirty="0">
               <a:solidFill>
                 <a:srgbClr val="3A5BAE"/>
               </a:solidFill>
@@ -18223,14 +18203,14 @@
               <a:buChar char="❏"/>
             </a:pPr>
             <a:r>
-              <a:rPr lang="en" sz="1800">
+              <a:rPr lang="en" sz="1800" dirty="0">
                 <a:solidFill>
                   <a:srgbClr val="3A5BAE"/>
                 </a:solidFill>
               </a:rPr>
               <a:t>可选功能</a:t>
             </a:r>
-            <a:endParaRPr sz="1800">
+            <a:endParaRPr sz="1800" dirty="0">
               <a:solidFill>
                 <a:srgbClr val="3A5BAE"/>
               </a:solidFill>
@@ -18254,14 +18234,14 @@
               <a:buChar char="❏"/>
             </a:pPr>
             <a:r>
-              <a:rPr lang="en" sz="1800">
+              <a:rPr lang="en" sz="1800" dirty="0">
                 <a:solidFill>
                   <a:srgbClr val="3A5BAE"/>
                 </a:solidFill>
               </a:rPr>
               <a:t>双击视频窗口弹出点赞爱心图标</a:t>
             </a:r>
-            <a:endParaRPr sz="1800">
+            <a:endParaRPr sz="1800" dirty="0">
               <a:solidFill>
                 <a:srgbClr val="3A5BAE"/>
               </a:solidFill>
